--- a/luna_authoring_system/ppt_parser/test/test_assets/Slide 1 and 2.pptx
+++ b/luna_authoring_system/ppt_parser/test/test_assets/Slide 1 and 2.pptx
@@ -5,8 +5,8 @@
     <p:sldMasterId id="2147483648" r:id="rId1"/>
   </p:sldMasterIdLst>
   <p:sldIdLst>
-    <p:sldId id="257" r:id="rId2"/>
-    <p:sldId id="256" r:id="rId3"/>
+    <p:sldId id="256" r:id="rId2"/>
+    <p:sldId id="257" r:id="rId3"/>
   </p:sldIdLst>
   <p:sldSz cx="12192000" cy="6858000"/>
   <p:notesSz cx="6858000" cy="9144000"/>
@@ -3327,10 +3327,52 @@
           <a:chExt cx="0" cy="0"/>
         </a:xfrm>
       </p:grpSpPr>
+      <p:sp>
+        <p:nvSpPr>
+          <p:cNvPr id="7" name="TextBox 6">
+            <a:extLst>
+              <a:ext uri="{FF2B5EF4-FFF2-40B4-BE49-F238E27FC236}">
+                <a16:creationId xmlns:a16="http://schemas.microsoft.com/office/drawing/2014/main" id="{F8D8CD48-6DC1-365C-351C-03A43A2C141A}"/>
+              </a:ext>
+            </a:extLst>
+          </p:cNvPr>
+          <p:cNvSpPr txBox="1"/>
+          <p:nvPr/>
+        </p:nvSpPr>
+        <p:spPr>
+          <a:xfrm>
+            <a:off x="2948940" y="1897380"/>
+            <a:ext cx="4960620" cy="369332"/>
+          </a:xfrm>
+          <a:prstGeom prst="rect">
+            <a:avLst/>
+          </a:prstGeom>
+          <a:noFill/>
+        </p:spPr>
+        <p:txBody>
+          <a:bodyPr wrap="square" rtlCol="0">
+            <a:spAutoFit/>
+          </a:bodyPr>
+          <a:lstStyle/>
+          <a:p>
+            <a:r>
+              <a:rPr lang="en-KR" dirty="0"/>
+              <a:t>go to </a:t>
+            </a:r>
+            <a:r>
+              <a:rPr lang="en-KR" dirty="0">
+                <a:hlinkClick r:id="rId2" action="ppaction://hlinksldjump"/>
+              </a:rPr>
+              <a:t>slide 2</a:t>
+            </a:r>
+            <a:endParaRPr lang="en-KR" dirty="0"/>
+          </a:p>
+        </p:txBody>
+      </p:sp>
     </p:spTree>
     <p:extLst>
       <p:ext uri="{BB962C8B-B14F-4D97-AF65-F5344CB8AC3E}">
-        <p14:creationId xmlns:p14="http://schemas.microsoft.com/office/powerpoint/2010/main" val="1515953935"/>
+        <p14:creationId xmlns:p14="http://schemas.microsoft.com/office/powerpoint/2010/main" val="3435788929"/>
       </p:ext>
     </p:extLst>
   </p:cSld>
@@ -3357,52 +3399,10 @@
           <a:chExt cx="0" cy="0"/>
         </a:xfrm>
       </p:grpSpPr>
-      <p:sp>
-        <p:nvSpPr>
-          <p:cNvPr id="7" name="TextBox 6">
-            <a:extLst>
-              <a:ext uri="{FF2B5EF4-FFF2-40B4-BE49-F238E27FC236}">
-                <a16:creationId xmlns:a16="http://schemas.microsoft.com/office/drawing/2014/main" id="{F8D8CD48-6DC1-365C-351C-03A43A2C141A}"/>
-              </a:ext>
-            </a:extLst>
-          </p:cNvPr>
-          <p:cNvSpPr txBox="1"/>
-          <p:nvPr/>
-        </p:nvSpPr>
-        <p:spPr>
-          <a:xfrm>
-            <a:off x="2948940" y="1897380"/>
-            <a:ext cx="4960620" cy="369332"/>
-          </a:xfrm>
-          <a:prstGeom prst="rect">
-            <a:avLst/>
-          </a:prstGeom>
-          <a:noFill/>
-        </p:spPr>
-        <p:txBody>
-          <a:bodyPr wrap="square" rtlCol="0">
-            <a:spAutoFit/>
-          </a:bodyPr>
-          <a:lstStyle/>
-          <a:p>
-            <a:r>
-              <a:rPr lang="en-KR" dirty="0"/>
-              <a:t>go to </a:t>
-            </a:r>
-            <a:r>
-              <a:rPr lang="en-KR" dirty="0">
-                <a:hlinkClick r:id="rId2" action="ppaction://hlinksldjump"/>
-              </a:rPr>
-              <a:t>slide 2</a:t>
-            </a:r>
-            <a:endParaRPr lang="en-KR" dirty="0"/>
-          </a:p>
-        </p:txBody>
-      </p:sp>
     </p:spTree>
     <p:extLst>
       <p:ext uri="{BB962C8B-B14F-4D97-AF65-F5344CB8AC3E}">
-        <p14:creationId xmlns:p14="http://schemas.microsoft.com/office/powerpoint/2010/main" val="3435788929"/>
+        <p14:creationId xmlns:p14="http://schemas.microsoft.com/office/powerpoint/2010/main" val="1515953935"/>
       </p:ext>
     </p:extLst>
   </p:cSld>
